--- a/测试记录.pptx
+++ b/测试记录.pptx
@@ -10,6 +10,7 @@
     <p:sldId id="258" r:id="rId4"/>
     <p:sldId id="259" r:id="rId5"/>
     <p:sldId id="260" r:id="rId6"/>
+    <p:sldId id="262" r:id="rId7"/>
   </p:sldIdLst>
   <p:sldSz cx="12192000" cy="6858000"/>
   <p:notesSz cx="6858000" cy="9144000"/>
@@ -3928,7 +3929,23 @@
           <a:p>
             <a:r>
               <a:rPr lang="zh-CN" altLang="en-US" dirty="0" smtClean="0"/>
-              <a:t>代码运行在</a:t>
+              <a:t>现</a:t>
+            </a:r>
+            <a:r>
+              <a:rPr lang="en-US" altLang="zh-CN" dirty="0" smtClean="0"/>
+              <a:t>master</a:t>
+            </a:r>
+            <a:r>
+              <a:rPr lang="zh-CN" altLang="en-US" dirty="0" smtClean="0"/>
+              <a:t>进程与</a:t>
+            </a:r>
+            <a:r>
+              <a:rPr lang="en-US" altLang="zh-CN" dirty="0" smtClean="0"/>
+              <a:t>slave</a:t>
+            </a:r>
+            <a:r>
+              <a:rPr lang="zh-CN" altLang="en-US" dirty="0" smtClean="0"/>
+              <a:t>进程跑在同一台</a:t>
             </a:r>
             <a:r>
               <a:rPr lang="en-US" altLang="zh-CN" dirty="0" err="1" smtClean="0"/>
@@ -3936,12 +3953,197 @@
             </a:r>
             <a:r>
               <a:rPr lang="zh-CN" altLang="en-US" dirty="0" smtClean="0"/>
-              <a:t>服务器上，首先在</a:t>
+              <a:t>机器上，所以共用同一</a:t>
+            </a:r>
+            <a:r>
+              <a:rPr lang="en-US" altLang="zh-CN" dirty="0" err="1" smtClean="0"/>
+              <a:t>ip</a:t>
+            </a:r>
+            <a:r>
+              <a:rPr lang="zh-CN" altLang="en-US" dirty="0" smtClean="0"/>
+              <a:t>，只是</a:t>
+            </a:r>
+            <a:r>
+              <a:rPr lang="en-US" altLang="zh-CN" dirty="0" smtClean="0"/>
+              <a:t>socket</a:t>
+            </a:r>
+            <a:r>
+              <a:rPr lang="zh-CN" altLang="en-US" dirty="0" smtClean="0"/>
+              <a:t>使用的</a:t>
+            </a:r>
+            <a:r>
+              <a:rPr lang="en-US" altLang="zh-CN" dirty="0" smtClean="0"/>
+              <a:t>port</a:t>
+            </a:r>
+            <a:r>
+              <a:rPr lang="zh-CN" altLang="en-US" dirty="0" smtClean="0"/>
+              <a:t>不一样。</a:t>
+            </a:r>
+            <a:endParaRPr lang="en-US" altLang="zh-CN" dirty="0" smtClean="0"/>
+          </a:p>
+          <a:p>
+            <a:r>
+              <a:rPr lang="zh-CN" altLang="en-US" dirty="0" smtClean="0"/>
+              <a:t>分别在</a:t>
+            </a:r>
+            <a:r>
+              <a:rPr lang="en-US" altLang="zh-CN" dirty="0" smtClean="0"/>
+              <a:t>master</a:t>
+            </a:r>
+            <a:r>
+              <a:rPr lang="zh-CN" altLang="en-US" dirty="0" smtClean="0"/>
+              <a:t>与</a:t>
+            </a:r>
+            <a:r>
+              <a:rPr lang="en-US" altLang="zh-CN" dirty="0" smtClean="0"/>
+              <a:t>slave</a:t>
+            </a:r>
+            <a:r>
+              <a:rPr lang="zh-CN" altLang="en-US" dirty="0" smtClean="0"/>
+              <a:t>文件夹下新建一个</a:t>
+            </a:r>
+            <a:r>
+              <a:rPr lang="en-US" altLang="zh-CN" dirty="0" smtClean="0"/>
+              <a:t>build</a:t>
+            </a:r>
+            <a:r>
+              <a:rPr lang="zh-CN" altLang="en-US" dirty="0" smtClean="0"/>
+              <a:t>文件夹，利用</a:t>
+            </a:r>
+            <a:r>
+              <a:rPr lang="en-US" altLang="zh-CN" dirty="0" err="1" smtClean="0"/>
+              <a:t>cmake</a:t>
+            </a:r>
+            <a:r>
+              <a:rPr lang="zh-CN" altLang="en-US" dirty="0" smtClean="0"/>
+              <a:t>进行编译。</a:t>
+            </a:r>
+            <a:endParaRPr lang="en-US" altLang="zh-CN" dirty="0"/>
+          </a:p>
+          <a:p>
+            <a:r>
+              <a:rPr lang="zh-CN" altLang="en-US" dirty="0" smtClean="0"/>
+              <a:t>分别运行生成的可执行文件</a:t>
+            </a:r>
+            <a:r>
+              <a:rPr lang="en-US" altLang="zh-CN" dirty="0"/>
+              <a:t>$</a:t>
+            </a:r>
+            <a:r>
+              <a:rPr lang="en-US" altLang="zh-CN" dirty="0" smtClean="0"/>
+              <a:t>./</a:t>
+            </a:r>
+            <a:r>
+              <a:rPr lang="en-US" altLang="zh-CN" dirty="0" err="1" smtClean="0"/>
+              <a:t>syncmaster</a:t>
+            </a:r>
+            <a:r>
+              <a:rPr lang="zh-CN" altLang="en-US" dirty="0" smtClean="0"/>
+              <a:t>，</a:t>
+            </a:r>
+            <a:r>
+              <a:rPr lang="en-US" altLang="zh-CN" dirty="0"/>
+              <a:t> $</a:t>
+            </a:r>
+            <a:r>
+              <a:rPr lang="en-US" altLang="zh-CN" dirty="0" smtClean="0"/>
+              <a:t>./</a:t>
+            </a:r>
+            <a:r>
+              <a:rPr lang="en-US" altLang="zh-CN" dirty="0" err="1"/>
+              <a:t>syncslave</a:t>
+            </a:r>
+            <a:r>
+              <a:rPr lang="zh-CN" altLang="en-US" dirty="0" smtClean="0"/>
+              <a:t>。</a:t>
+            </a:r>
+            <a:endParaRPr lang="en-US" altLang="zh-CN" dirty="0" smtClean="0"/>
+          </a:p>
+          <a:p>
+            <a:r>
+              <a:rPr lang="zh-CN" altLang="en-US" dirty="0" smtClean="0"/>
+              <a:t>利用另外一个窗口查看输出的</a:t>
+            </a:r>
+            <a:r>
+              <a:rPr lang="en-US" altLang="zh-CN" dirty="0" smtClean="0"/>
+              <a:t>log $tail –f /</a:t>
+            </a:r>
+            <a:r>
+              <a:rPr lang="en-US" altLang="zh-CN" dirty="0" err="1" smtClean="0"/>
+              <a:t>var</a:t>
+            </a:r>
+            <a:r>
+              <a:rPr lang="en-US" altLang="zh-CN" dirty="0" smtClean="0"/>
+              <a:t>/log/local1.log</a:t>
+            </a:r>
+            <a:r>
+              <a:rPr lang="zh-CN" altLang="en-US" dirty="0" smtClean="0"/>
+              <a:t>（提前要配置好</a:t>
+            </a:r>
+            <a:r>
+              <a:rPr lang="en-US" altLang="zh-CN" dirty="0" smtClean="0"/>
+              <a:t>syslog</a:t>
+            </a:r>
+            <a:r>
+              <a:rPr lang="zh-CN" altLang="en-US" dirty="0" smtClean="0"/>
+              <a:t>的输出路径）</a:t>
+            </a:r>
+            <a:r>
+              <a:rPr lang="en-US" altLang="zh-CN" dirty="0" smtClean="0"/>
+              <a:t> </a:t>
             </a:r>
             <a:endParaRPr lang="zh-CN" altLang="en-US" dirty="0"/>
           </a:p>
         </p:txBody>
       </p:sp>
+      <p:pic>
+        <p:nvPicPr>
+          <p:cNvPr id="5" name="图片 4"/>
+          <p:cNvPicPr>
+            <a:picLocks noChangeAspect="1"/>
+          </p:cNvPicPr>
+          <p:nvPr/>
+        </p:nvPicPr>
+        <p:blipFill>
+          <a:blip r:embed="rId2"/>
+          <a:stretch>
+            <a:fillRect/>
+          </a:stretch>
+        </p:blipFill>
+        <p:spPr>
+          <a:xfrm>
+            <a:off x="0" y="4553238"/>
+            <a:ext cx="6200000" cy="2304762"/>
+          </a:xfrm>
+          <a:prstGeom prst="rect">
+            <a:avLst/>
+          </a:prstGeom>
+        </p:spPr>
+      </p:pic>
+      <p:pic>
+        <p:nvPicPr>
+          <p:cNvPr id="6" name="图片 5"/>
+          <p:cNvPicPr>
+            <a:picLocks noChangeAspect="1"/>
+          </p:cNvPicPr>
+          <p:nvPr/>
+        </p:nvPicPr>
+        <p:blipFill>
+          <a:blip r:embed="rId3"/>
+          <a:stretch>
+            <a:fillRect/>
+          </a:stretch>
+        </p:blipFill>
+        <p:spPr>
+          <a:xfrm>
+            <a:off x="6200000" y="4767524"/>
+            <a:ext cx="6123809" cy="1876190"/>
+          </a:xfrm>
+          <a:prstGeom prst="rect">
+            <a:avLst/>
+          </a:prstGeom>
+        </p:spPr>
+      </p:pic>
     </p:spTree>
     <p:extLst>
       <p:ext uri="{BB962C8B-B14F-4D97-AF65-F5344CB8AC3E}">
@@ -3987,7 +4189,11 @@
           <a:bodyPr/>
           <a:lstStyle/>
           <a:p>
-            <a:endParaRPr lang="zh-CN" altLang="en-US"/>
+            <a:r>
+              <a:rPr lang="zh-CN" altLang="en-US" dirty="0" smtClean="0"/>
+              <a:t>登录</a:t>
+            </a:r>
+            <a:endParaRPr lang="zh-CN" altLang="en-US" dirty="0"/>
           </a:p>
         </p:txBody>
       </p:sp>
@@ -4001,15 +4207,172 @@
             <p:ph idx="1"/>
           </p:nvPr>
         </p:nvSpPr>
-        <p:spPr/>
-        <p:txBody>
-          <a:bodyPr/>
-          <a:lstStyle/>
-          <a:p>
-            <a:endParaRPr lang="zh-CN" altLang="en-US"/>
-          </a:p>
-        </p:txBody>
-      </p:sp>
+        <p:spPr>
+          <a:xfrm>
+            <a:off x="968492" y="1845734"/>
+            <a:ext cx="4669625" cy="4023360"/>
+          </a:xfrm>
+        </p:spPr>
+        <p:txBody>
+          <a:bodyPr/>
+          <a:lstStyle/>
+          <a:p>
+            <a:r>
+              <a:rPr lang="en-US" altLang="zh-CN" dirty="0" smtClean="0"/>
+              <a:t>log </a:t>
+            </a:r>
+            <a:r>
+              <a:rPr lang="zh-CN" altLang="en-US" dirty="0" smtClean="0"/>
+              <a:t>中标记为</a:t>
+            </a:r>
+            <a:r>
+              <a:rPr lang="en-US" altLang="zh-CN" dirty="0" smtClean="0"/>
+              <a:t>MASTER</a:t>
+            </a:r>
+            <a:r>
+              <a:rPr lang="zh-CN" altLang="en-US" dirty="0" smtClean="0"/>
+              <a:t>的是主板输出的</a:t>
+            </a:r>
+            <a:r>
+              <a:rPr lang="en-US" altLang="zh-CN" dirty="0" smtClean="0"/>
+              <a:t>log</a:t>
+            </a:r>
+            <a:r>
+              <a:rPr lang="zh-CN" altLang="en-US" dirty="0" smtClean="0"/>
+              <a:t>，</a:t>
+            </a:r>
+            <a:endParaRPr lang="en-US" altLang="zh-CN" dirty="0" smtClean="0"/>
+          </a:p>
+          <a:p>
+            <a:r>
+              <a:rPr lang="zh-CN" altLang="en-US" dirty="0" smtClean="0"/>
+              <a:t>标记为</a:t>
+            </a:r>
+            <a:r>
+              <a:rPr lang="en-US" altLang="zh-CN" dirty="0" smtClean="0"/>
+              <a:t>SLAVE</a:t>
+            </a:r>
+            <a:r>
+              <a:rPr lang="zh-CN" altLang="en-US" dirty="0" smtClean="0"/>
+              <a:t>的是备板输出的</a:t>
+            </a:r>
+            <a:r>
+              <a:rPr lang="en-US" altLang="zh-CN" dirty="0" smtClean="0"/>
+              <a:t>log</a:t>
+            </a:r>
+            <a:r>
+              <a:rPr lang="zh-CN" altLang="en-US" dirty="0" smtClean="0"/>
+              <a:t>。</a:t>
+            </a:r>
+            <a:endParaRPr lang="en-US" altLang="zh-CN" dirty="0" smtClean="0"/>
+          </a:p>
+          <a:p>
+            <a:r>
+              <a:rPr lang="zh-CN" altLang="en-US" dirty="0"/>
+              <a:t>两</a:t>
+            </a:r>
+            <a:r>
+              <a:rPr lang="zh-CN" altLang="en-US" dirty="0" smtClean="0"/>
+              <a:t>块板开机，备板开启定时发送登录三次握手中的第一个包。</a:t>
+            </a:r>
+            <a:endParaRPr lang="en-US" altLang="zh-CN" dirty="0" smtClean="0"/>
+          </a:p>
+          <a:p>
+            <a:r>
+              <a:rPr lang="zh-CN" altLang="en-US" dirty="0" smtClean="0"/>
+              <a:t>主板收到后</a:t>
+            </a:r>
+            <a:r>
+              <a:rPr lang="zh-CN" altLang="en-US" dirty="0"/>
+              <a:t>开启定时发送</a:t>
+            </a:r>
+            <a:r>
+              <a:rPr lang="zh-CN" altLang="en-US" dirty="0" smtClean="0"/>
+              <a:t>登录三</a:t>
+            </a:r>
+            <a:r>
+              <a:rPr lang="zh-CN" altLang="en-US" dirty="0"/>
+              <a:t>次握手中的</a:t>
+            </a:r>
+            <a:r>
+              <a:rPr lang="zh-CN" altLang="en-US" dirty="0" smtClean="0"/>
+              <a:t>第二个</a:t>
+            </a:r>
+            <a:r>
+              <a:rPr lang="zh-CN" altLang="en-US" dirty="0"/>
+              <a:t>包</a:t>
+            </a:r>
+            <a:r>
+              <a:rPr lang="zh-CN" altLang="en-US" dirty="0" smtClean="0"/>
+              <a:t>。</a:t>
+            </a:r>
+            <a:endParaRPr lang="en-US" altLang="zh-CN" dirty="0"/>
+          </a:p>
+          <a:p>
+            <a:r>
+              <a:rPr lang="zh-CN" altLang="en-US" dirty="0" smtClean="0"/>
+              <a:t>备板收到后直接回复第三个包，进入接收配置状态。主板收到第三个包后也进入</a:t>
+            </a:r>
+            <a:r>
+              <a:rPr lang="zh-CN" altLang="en-US" dirty="0"/>
+              <a:t>接收</a:t>
+            </a:r>
+            <a:r>
+              <a:rPr lang="zh-CN" altLang="en-US" dirty="0" smtClean="0"/>
+              <a:t>配置状态。</a:t>
+            </a:r>
+            <a:endParaRPr lang="zh-CN" altLang="en-US" dirty="0"/>
+          </a:p>
+        </p:txBody>
+      </p:sp>
+      <p:pic>
+        <p:nvPicPr>
+          <p:cNvPr id="4" name="图片 3"/>
+          <p:cNvPicPr>
+            <a:picLocks noChangeAspect="1"/>
+          </p:cNvPicPr>
+          <p:nvPr/>
+        </p:nvPicPr>
+        <p:blipFill>
+          <a:blip r:embed="rId2"/>
+          <a:stretch>
+            <a:fillRect/>
+          </a:stretch>
+        </p:blipFill>
+        <p:spPr>
+          <a:xfrm>
+            <a:off x="5766905" y="45734"/>
+            <a:ext cx="6247619" cy="1800000"/>
+          </a:xfrm>
+          <a:prstGeom prst="rect">
+            <a:avLst/>
+          </a:prstGeom>
+        </p:spPr>
+      </p:pic>
+      <p:pic>
+        <p:nvPicPr>
+          <p:cNvPr id="5" name="图片 4"/>
+          <p:cNvPicPr>
+            <a:picLocks noChangeAspect="1"/>
+          </p:cNvPicPr>
+          <p:nvPr/>
+        </p:nvPicPr>
+        <p:blipFill>
+          <a:blip r:embed="rId3"/>
+          <a:stretch>
+            <a:fillRect/>
+          </a:stretch>
+        </p:blipFill>
+        <p:spPr>
+          <a:xfrm>
+            <a:off x="5776429" y="1845734"/>
+            <a:ext cx="6238095" cy="3342857"/>
+          </a:xfrm>
+          <a:prstGeom prst="rect">
+            <a:avLst/>
+          </a:prstGeom>
+        </p:spPr>
+      </p:pic>
     </p:spTree>
     <p:extLst>
       <p:ext uri="{BB962C8B-B14F-4D97-AF65-F5344CB8AC3E}">
@@ -4055,7 +4418,11 @@
           <a:bodyPr/>
           <a:lstStyle/>
           <a:p>
-            <a:endParaRPr lang="zh-CN" altLang="en-US"/>
+            <a:r>
+              <a:rPr lang="zh-CN" altLang="en-US" dirty="0" smtClean="0"/>
+              <a:t>保活</a:t>
+            </a:r>
+            <a:endParaRPr lang="zh-CN" altLang="en-US" dirty="0"/>
           </a:p>
         </p:txBody>
       </p:sp>
@@ -4069,19 +4436,83 @@
             <p:ph idx="1"/>
           </p:nvPr>
         </p:nvSpPr>
-        <p:spPr/>
-        <p:txBody>
-          <a:bodyPr/>
-          <a:lstStyle/>
-          <a:p>
-            <a:endParaRPr lang="zh-CN" altLang="en-US"/>
-          </a:p>
-        </p:txBody>
-      </p:sp>
+        <p:spPr>
+          <a:xfrm>
+            <a:off x="968492" y="1845734"/>
+            <a:ext cx="4669625" cy="4023360"/>
+          </a:xfrm>
+        </p:spPr>
+        <p:txBody>
+          <a:bodyPr/>
+          <a:lstStyle/>
+          <a:p>
+            <a:r>
+              <a:rPr lang="zh-CN" altLang="en-US" dirty="0" smtClean="0"/>
+              <a:t>三分钟没有消息发送，则会触发保活</a:t>
+            </a:r>
+            <a:r>
+              <a:rPr lang="en-US" altLang="zh-CN" dirty="0" err="1" smtClean="0"/>
+              <a:t>keepalive</a:t>
+            </a:r>
+            <a:r>
+              <a:rPr lang="zh-CN" altLang="en-US" dirty="0" smtClean="0"/>
+              <a:t>包的发送。主备板互相向对方发送，刷新其</a:t>
+            </a:r>
+            <a:r>
+              <a:rPr lang="en-US" altLang="zh-CN" dirty="0" err="1" smtClean="0"/>
+              <a:t>checkalive</a:t>
+            </a:r>
+            <a:r>
+              <a:rPr lang="zh-CN" altLang="en-US" dirty="0" smtClean="0"/>
+              <a:t>定时器，不回复。</a:t>
+            </a:r>
+            <a:endParaRPr lang="en-US" altLang="zh-CN" dirty="0" smtClean="0"/>
+          </a:p>
+          <a:p>
+            <a:r>
+              <a:rPr lang="zh-CN" altLang="en-US" dirty="0" smtClean="0"/>
+              <a:t>十分钟</a:t>
+            </a:r>
+            <a:r>
+              <a:rPr lang="zh-CN" altLang="en-US" dirty="0"/>
+              <a:t>没有</a:t>
+            </a:r>
+            <a:r>
+              <a:rPr lang="zh-CN" altLang="en-US" dirty="0" smtClean="0"/>
+              <a:t>消息接收，说明通信挂掉。</a:t>
+            </a:r>
+            <a:endParaRPr lang="zh-CN" altLang="en-US" dirty="0"/>
+          </a:p>
+        </p:txBody>
+      </p:sp>
+      <p:pic>
+        <p:nvPicPr>
+          <p:cNvPr id="6" name="图片 5"/>
+          <p:cNvPicPr>
+            <a:picLocks noChangeAspect="1"/>
+          </p:cNvPicPr>
+          <p:nvPr/>
+        </p:nvPicPr>
+        <p:blipFill>
+          <a:blip r:embed="rId2"/>
+          <a:stretch>
+            <a:fillRect/>
+          </a:stretch>
+        </p:blipFill>
+        <p:spPr>
+          <a:xfrm>
+            <a:off x="5638117" y="286603"/>
+            <a:ext cx="6428571" cy="4038095"/>
+          </a:xfrm>
+          <a:prstGeom prst="rect">
+            <a:avLst/>
+          </a:prstGeom>
+        </p:spPr>
+      </p:pic>
     </p:spTree>
     <p:extLst>
       <p:ext uri="{BB962C8B-B14F-4D97-AF65-F5344CB8AC3E}">
-        <p14:creationId xmlns:p14="http://schemas.microsoft.com/office/powerpoint/2010/main" val="380821287"/>
+        <p14:creationId xmlns:p14="http://schemas.microsoft.com/office/powerpoint/2010/main" val="1845518723"/>
       </p:ext>
     </p:extLst>
   </p:cSld>
@@ -4123,7 +4554,18 @@
           <a:bodyPr/>
           <a:lstStyle/>
           <a:p>
-            <a:endParaRPr lang="zh-CN" altLang="en-US"/>
+            <a:r>
+              <a:rPr lang="en-US" altLang="zh-CN" dirty="0" smtClean="0"/>
+              <a:t>instant</a:t>
+            </a:r>
+            <a:br>
+              <a:rPr lang="en-US" altLang="zh-CN" dirty="0" smtClean="0"/>
+            </a:br>
+            <a:r>
+              <a:rPr lang="zh-CN" altLang="en-US" dirty="0" smtClean="0"/>
+              <a:t>立即发送的配置</a:t>
+            </a:r>
+            <a:endParaRPr lang="zh-CN" altLang="en-US" dirty="0"/>
           </a:p>
         </p:txBody>
       </p:sp>
@@ -4137,19 +4579,479 @@
             <p:ph idx="1"/>
           </p:nvPr>
         </p:nvSpPr>
-        <p:spPr/>
-        <p:txBody>
-          <a:bodyPr/>
-          <a:lstStyle/>
-          <a:p>
-            <a:endParaRPr lang="zh-CN" altLang="en-US"/>
-          </a:p>
-        </p:txBody>
-      </p:sp>
+        <p:spPr>
+          <a:xfrm>
+            <a:off x="968492" y="1845734"/>
+            <a:ext cx="4669625" cy="4023360"/>
+          </a:xfrm>
+        </p:spPr>
+        <p:txBody>
+          <a:bodyPr/>
+          <a:lstStyle/>
+          <a:p>
+            <a:r>
+              <a:rPr lang="zh-CN" altLang="en-US" dirty="0" smtClean="0"/>
+              <a:t>主板控制台键入</a:t>
+            </a:r>
+            <a:r>
+              <a:rPr lang="en-US" altLang="zh-CN" dirty="0" smtClean="0"/>
+              <a:t>?file1</a:t>
+            </a:r>
+          </a:p>
+          <a:p>
+            <a:r>
+              <a:rPr lang="zh-CN" altLang="en-US" dirty="0" smtClean="0"/>
+              <a:t>告诉要将</a:t>
+            </a:r>
+            <a:r>
+              <a:rPr lang="en-US" altLang="zh-CN" dirty="0" smtClean="0"/>
+              <a:t>file1</a:t>
+            </a:r>
+            <a:r>
+              <a:rPr lang="zh-CN" altLang="en-US" dirty="0" smtClean="0"/>
+              <a:t>文件中的数据作为立即发送的</a:t>
+            </a:r>
+            <a:r>
+              <a:rPr lang="zh-CN" altLang="en-US" dirty="0"/>
+              <a:t>一</a:t>
+            </a:r>
+            <a:r>
+              <a:rPr lang="zh-CN" altLang="en-US" dirty="0" smtClean="0"/>
+              <a:t>条配置发送到备板。组包后发送。</a:t>
+            </a:r>
+            <a:endParaRPr lang="en-US" altLang="zh-CN" dirty="0" smtClean="0"/>
+          </a:p>
+          <a:p>
+            <a:r>
+              <a:rPr lang="zh-CN" altLang="en-US" dirty="0"/>
+              <a:t>备</a:t>
+            </a:r>
+            <a:r>
+              <a:rPr lang="zh-CN" altLang="en-US" dirty="0" smtClean="0"/>
+              <a:t>板确实收到了消息包，并且校验正确，返回成功消息；暂定将配置放入</a:t>
+            </a:r>
+            <a:r>
+              <a:rPr lang="en-US" altLang="zh-CN" dirty="0" smtClean="0"/>
+              <a:t>instant</a:t>
+            </a:r>
+            <a:r>
+              <a:rPr lang="zh-CN" altLang="en-US" dirty="0" smtClean="0"/>
+              <a:t>链表，并以事件通知主线程。</a:t>
+            </a:r>
+            <a:endParaRPr lang="en-US" altLang="zh-CN" dirty="0" smtClean="0"/>
+          </a:p>
+          <a:p>
+            <a:r>
+              <a:rPr lang="zh-CN" altLang="en-US" dirty="0" smtClean="0"/>
+              <a:t>主板也收到成功回应消息，并将主板</a:t>
+            </a:r>
+            <a:r>
+              <a:rPr lang="en-US" altLang="zh-CN" dirty="0" smtClean="0"/>
+              <a:t>instant</a:t>
+            </a:r>
+            <a:r>
+              <a:rPr lang="zh-CN" altLang="en-US" dirty="0" smtClean="0"/>
+              <a:t>链表中的相应节点删除。</a:t>
+            </a:r>
+            <a:endParaRPr lang="en-US" altLang="zh-CN" dirty="0" smtClean="0"/>
+          </a:p>
+          <a:p>
+            <a:r>
+              <a:rPr lang="zh-CN" altLang="en-US" dirty="0" smtClean="0"/>
+              <a:t>如未收到成功回应，则会定时重发该节点；并且多次重发失败亦删除节点。</a:t>
+            </a:r>
+            <a:endParaRPr lang="en-US" altLang="zh-CN" dirty="0" smtClean="0"/>
+          </a:p>
+        </p:txBody>
+      </p:sp>
+      <p:pic>
+        <p:nvPicPr>
+          <p:cNvPr id="6" name="图片 5"/>
+          <p:cNvPicPr>
+            <a:picLocks noChangeAspect="1"/>
+          </p:cNvPicPr>
+          <p:nvPr/>
+        </p:nvPicPr>
+        <p:blipFill>
+          <a:blip r:embed="rId2"/>
+          <a:stretch>
+            <a:fillRect/>
+          </a:stretch>
+        </p:blipFill>
+        <p:spPr>
+          <a:xfrm>
+            <a:off x="5763429" y="534222"/>
+            <a:ext cx="6428571" cy="4038095"/>
+          </a:xfrm>
+          <a:prstGeom prst="rect">
+            <a:avLst/>
+          </a:prstGeom>
+        </p:spPr>
+      </p:pic>
+      <p:pic>
+        <p:nvPicPr>
+          <p:cNvPr id="7" name="图片 6"/>
+          <p:cNvPicPr>
+            <a:picLocks noChangeAspect="1"/>
+          </p:cNvPicPr>
+          <p:nvPr/>
+        </p:nvPicPr>
+        <p:blipFill>
+          <a:blip r:embed="rId3"/>
+          <a:stretch>
+            <a:fillRect/>
+          </a:stretch>
+        </p:blipFill>
+        <p:spPr>
+          <a:xfrm>
+            <a:off x="5763429" y="38984"/>
+            <a:ext cx="5152381" cy="495238"/>
+          </a:xfrm>
+          <a:prstGeom prst="rect">
+            <a:avLst/>
+          </a:prstGeom>
+        </p:spPr>
+      </p:pic>
+      <p:pic>
+        <p:nvPicPr>
+          <p:cNvPr id="8" name="图片 7"/>
+          <p:cNvPicPr>
+            <a:picLocks noChangeAspect="1"/>
+          </p:cNvPicPr>
+          <p:nvPr/>
+        </p:nvPicPr>
+        <p:blipFill>
+          <a:blip r:embed="rId4"/>
+          <a:stretch>
+            <a:fillRect/>
+          </a:stretch>
+        </p:blipFill>
+        <p:spPr>
+          <a:xfrm>
+            <a:off x="5763429" y="4524667"/>
+            <a:ext cx="6219048" cy="2333333"/>
+          </a:xfrm>
+          <a:prstGeom prst="rect">
+            <a:avLst/>
+          </a:prstGeom>
+        </p:spPr>
+      </p:pic>
     </p:spTree>
     <p:extLst>
       <p:ext uri="{BB962C8B-B14F-4D97-AF65-F5344CB8AC3E}">
-        <p14:creationId xmlns:p14="http://schemas.microsoft.com/office/powerpoint/2010/main" val="3938486451"/>
+        <p14:creationId xmlns:p14="http://schemas.microsoft.com/office/powerpoint/2010/main" val="1557734558"/>
+      </p:ext>
+    </p:extLst>
+  </p:cSld>
+  <p:clrMapOvr>
+    <a:masterClrMapping/>
+  </p:clrMapOvr>
+</p:sld>
+</file>
+
+<file path=ppt/slides/slide6.xml><?xml version="1.0" encoding="utf-8"?>
+<p:sld xmlns:a="http://schemas.openxmlformats.org/drawingml/2006/main" xmlns:r="http://schemas.openxmlformats.org/officeDocument/2006/relationships" xmlns:p="http://schemas.openxmlformats.org/presentationml/2006/main">
+  <p:cSld>
+    <p:spTree>
+      <p:nvGrpSpPr>
+        <p:cNvPr id="1" name=""/>
+        <p:cNvGrpSpPr/>
+        <p:nvPr/>
+      </p:nvGrpSpPr>
+      <p:grpSpPr>
+        <a:xfrm>
+          <a:off x="0" y="0"/>
+          <a:ext cx="0" cy="0"/>
+          <a:chOff x="0" y="0"/>
+          <a:chExt cx="0" cy="0"/>
+        </a:xfrm>
+      </p:grpSpPr>
+      <p:sp>
+        <p:nvSpPr>
+          <p:cNvPr id="2" name="标题 1"/>
+          <p:cNvSpPr>
+            <a:spLocks noGrp="1"/>
+          </p:cNvSpPr>
+          <p:nvPr>
+            <p:ph type="title"/>
+          </p:nvPr>
+        </p:nvSpPr>
+        <p:spPr/>
+        <p:txBody>
+          <a:bodyPr/>
+          <a:lstStyle/>
+          <a:p>
+            <a:r>
+              <a:rPr lang="en-US" altLang="zh-CN" dirty="0"/>
+              <a:t>waited</a:t>
+            </a:r>
+            <a:br>
+              <a:rPr lang="en-US" altLang="zh-CN" dirty="0"/>
+            </a:br>
+            <a:r>
+              <a:rPr lang="zh-CN" altLang="en-US" dirty="0"/>
+              <a:t>定时定量的配置</a:t>
+            </a:r>
+          </a:p>
+        </p:txBody>
+      </p:sp>
+      <p:sp>
+        <p:nvSpPr>
+          <p:cNvPr id="3" name="内容占位符 2"/>
+          <p:cNvSpPr>
+            <a:spLocks noGrp="1"/>
+          </p:cNvSpPr>
+          <p:nvPr>
+            <p:ph idx="1"/>
+          </p:nvPr>
+        </p:nvSpPr>
+        <p:spPr>
+          <a:xfrm>
+            <a:off x="968492" y="1845733"/>
+            <a:ext cx="4669625" cy="4567945"/>
+          </a:xfrm>
+        </p:spPr>
+        <p:txBody>
+          <a:bodyPr>
+            <a:normAutofit fontScale="92500" lnSpcReduction="10000"/>
+          </a:bodyPr>
+          <a:lstStyle/>
+          <a:p>
+            <a:r>
+              <a:rPr lang="zh-CN" altLang="en-US" dirty="0" smtClean="0"/>
+              <a:t>主板控制台键入</a:t>
+            </a:r>
+            <a:r>
+              <a:rPr lang="en-US" altLang="zh-CN" dirty="0" smtClean="0"/>
+              <a:t>/file1:4</a:t>
+            </a:r>
+          </a:p>
+          <a:p>
+            <a:r>
+              <a:rPr lang="zh-CN" altLang="en-US" dirty="0" smtClean="0"/>
+              <a:t>告诉要将</a:t>
+            </a:r>
+            <a:r>
+              <a:rPr lang="en-US" altLang="zh-CN" dirty="0" smtClean="0"/>
+              <a:t>file1</a:t>
+            </a:r>
+            <a:r>
+              <a:rPr lang="zh-CN" altLang="en-US" dirty="0" smtClean="0"/>
+              <a:t>、</a:t>
+            </a:r>
+            <a:r>
+              <a:rPr lang="en-US" altLang="zh-CN" dirty="0" smtClean="0"/>
+              <a:t>file2</a:t>
+            </a:r>
+            <a:r>
+              <a:rPr lang="zh-CN" altLang="en-US" dirty="0" smtClean="0"/>
+              <a:t>、</a:t>
+            </a:r>
+            <a:r>
+              <a:rPr lang="en-US" altLang="zh-CN" dirty="0" smtClean="0"/>
+              <a:t>file3</a:t>
+            </a:r>
+            <a:r>
+              <a:rPr lang="zh-CN" altLang="en-US" dirty="0" smtClean="0"/>
+              <a:t>、</a:t>
+            </a:r>
+            <a:r>
+              <a:rPr lang="en-US" altLang="zh-CN" dirty="0" smtClean="0"/>
+              <a:t>file4</a:t>
+            </a:r>
+            <a:r>
+              <a:rPr lang="zh-CN" altLang="en-US" dirty="0" smtClean="0"/>
+              <a:t>文件中的数据作为定时定量发送的配置发送到备板。为方便测试，</a:t>
+            </a:r>
+            <a:r>
+              <a:rPr lang="en-US" altLang="zh-CN" dirty="0" smtClean="0"/>
+              <a:t>file3</a:t>
+            </a:r>
+            <a:r>
+              <a:rPr lang="zh-CN" altLang="en-US" dirty="0" smtClean="0"/>
+              <a:t>文件大小故意设置为</a:t>
+            </a:r>
+            <a:r>
+              <a:rPr lang="en-US" altLang="zh-CN" dirty="0" smtClean="0"/>
+              <a:t>871</a:t>
+            </a:r>
+            <a:r>
+              <a:rPr lang="zh-CN" altLang="en-US" dirty="0" smtClean="0"/>
+              <a:t>，四个文件综合满足</a:t>
+            </a:r>
+            <a:r>
+              <a:rPr lang="en-US" altLang="zh-CN" dirty="0" smtClean="0"/>
+              <a:t>900</a:t>
+            </a:r>
+            <a:r>
+              <a:rPr lang="zh-CN" altLang="en-US" dirty="0" smtClean="0"/>
+              <a:t>定量阈值。组包发送。</a:t>
+            </a:r>
+            <a:endParaRPr lang="en-US" altLang="zh-CN" dirty="0" smtClean="0"/>
+          </a:p>
+          <a:p>
+            <a:r>
+              <a:rPr lang="zh-CN" altLang="en-US" dirty="0" smtClean="0"/>
+              <a:t>备板确实收到了消息包，总体校验成功后再分别对每个配置进行校验。校验成功的配置放入</a:t>
+            </a:r>
+            <a:r>
+              <a:rPr lang="en-US" altLang="zh-CN" dirty="0" smtClean="0"/>
+              <a:t>waited</a:t>
+            </a:r>
+            <a:r>
+              <a:rPr lang="zh-CN" altLang="en-US" dirty="0" smtClean="0"/>
+              <a:t>链表通知主线程，并且将其</a:t>
+            </a:r>
+            <a:r>
+              <a:rPr lang="en-US" altLang="zh-CN" dirty="0" smtClean="0"/>
+              <a:t>ID</a:t>
+            </a:r>
+            <a:r>
+              <a:rPr lang="zh-CN" altLang="en-US" dirty="0" smtClean="0"/>
+              <a:t>记录下来回复主板。</a:t>
+            </a:r>
+            <a:endParaRPr lang="en-US" altLang="zh-CN" dirty="0" smtClean="0"/>
+          </a:p>
+          <a:p>
+            <a:r>
+              <a:rPr lang="zh-CN" altLang="en-US" dirty="0" smtClean="0"/>
+              <a:t>主板也收到成功回应消息，并将主板</a:t>
+            </a:r>
+            <a:r>
+              <a:rPr lang="en-US" altLang="zh-CN" dirty="0" smtClean="0"/>
+              <a:t>instant</a:t>
+            </a:r>
+            <a:r>
+              <a:rPr lang="zh-CN" altLang="en-US" dirty="0" smtClean="0"/>
+              <a:t>链表中的相应节点删除。</a:t>
+            </a:r>
+            <a:endParaRPr lang="en-US" altLang="zh-CN" dirty="0" smtClean="0"/>
+          </a:p>
+          <a:p>
+            <a:r>
+              <a:rPr lang="zh-CN" altLang="en-US" dirty="0" smtClean="0"/>
+              <a:t>如有节点没有成功，则会在下一次定时定量阈值触发后重发，重发</a:t>
+            </a:r>
+            <a:r>
+              <a:rPr lang="en-US" altLang="zh-CN" dirty="0" smtClean="0"/>
+              <a:t>3</a:t>
+            </a:r>
+            <a:r>
+              <a:rPr lang="zh-CN" altLang="en-US" dirty="0" smtClean="0"/>
+              <a:t>次后则会在第</a:t>
+            </a:r>
+            <a:r>
+              <a:rPr lang="en-US" altLang="zh-CN" dirty="0" smtClean="0"/>
+              <a:t>4</a:t>
+            </a:r>
+            <a:r>
+              <a:rPr lang="zh-CN" altLang="en-US" dirty="0" smtClean="0"/>
+              <a:t>次重发时将该节点删除，并调整整个消息包的结构。</a:t>
+            </a:r>
+            <a:endParaRPr lang="en-US" altLang="zh-CN" dirty="0" smtClean="0"/>
+          </a:p>
+        </p:txBody>
+      </p:sp>
+      <p:pic>
+        <p:nvPicPr>
+          <p:cNvPr id="4" name="图片 3"/>
+          <p:cNvPicPr>
+            <a:picLocks noChangeAspect="1"/>
+          </p:cNvPicPr>
+          <p:nvPr/>
+        </p:nvPicPr>
+        <p:blipFill>
+          <a:blip r:embed="rId2"/>
+          <a:stretch>
+            <a:fillRect/>
+          </a:stretch>
+        </p:blipFill>
+        <p:spPr>
+          <a:xfrm>
+            <a:off x="5763429" y="38983"/>
+            <a:ext cx="6104762" cy="371429"/>
+          </a:xfrm>
+          <a:prstGeom prst="rect">
+            <a:avLst/>
+          </a:prstGeom>
+        </p:spPr>
+      </p:pic>
+      <p:pic>
+        <p:nvPicPr>
+          <p:cNvPr id="5" name="图片 4"/>
+          <p:cNvPicPr>
+            <a:picLocks noChangeAspect="1"/>
+          </p:cNvPicPr>
+          <p:nvPr/>
+        </p:nvPicPr>
+        <p:blipFill>
+          <a:blip r:embed="rId3"/>
+          <a:stretch>
+            <a:fillRect/>
+          </a:stretch>
+        </p:blipFill>
+        <p:spPr>
+          <a:xfrm>
+            <a:off x="5763429" y="546884"/>
+            <a:ext cx="6342857" cy="2380952"/>
+          </a:xfrm>
+          <a:prstGeom prst="rect">
+            <a:avLst/>
+          </a:prstGeom>
+        </p:spPr>
+      </p:pic>
+      <p:pic>
+        <p:nvPicPr>
+          <p:cNvPr id="9" name="图片 8"/>
+          <p:cNvPicPr>
+            <a:picLocks noChangeAspect="1"/>
+          </p:cNvPicPr>
+          <p:nvPr/>
+        </p:nvPicPr>
+        <p:blipFill>
+          <a:blip r:embed="rId4"/>
+          <a:stretch>
+            <a:fillRect/>
+          </a:stretch>
+        </p:blipFill>
+        <p:spPr>
+          <a:xfrm>
+            <a:off x="5763429" y="3038366"/>
+            <a:ext cx="6219048" cy="819048"/>
+          </a:xfrm>
+          <a:prstGeom prst="rect">
+            <a:avLst/>
+          </a:prstGeom>
+        </p:spPr>
+      </p:pic>
+      <p:pic>
+        <p:nvPicPr>
+          <p:cNvPr id="10" name="图片 9"/>
+          <p:cNvPicPr>
+            <a:picLocks noChangeAspect="1"/>
+          </p:cNvPicPr>
+          <p:nvPr/>
+        </p:nvPicPr>
+        <p:blipFill>
+          <a:blip r:embed="rId5"/>
+          <a:stretch>
+            <a:fillRect/>
+          </a:stretch>
+        </p:blipFill>
+        <p:spPr>
+          <a:xfrm>
+            <a:off x="5763429" y="3967944"/>
+            <a:ext cx="6180952" cy="2161905"/>
+          </a:xfrm>
+          <a:prstGeom prst="rect">
+            <a:avLst/>
+          </a:prstGeom>
+        </p:spPr>
+      </p:pic>
+    </p:spTree>
+    <p:extLst>
+      <p:ext uri="{BB962C8B-B14F-4D97-AF65-F5344CB8AC3E}">
+        <p14:creationId xmlns:p14="http://schemas.microsoft.com/office/powerpoint/2010/main" val="1469057836"/>
       </p:ext>
     </p:extLst>
   </p:cSld>
